--- a/Hardware Development.pptx
+++ b/Hardware Development.pptx
@@ -6,7 +6,22 @@
   </p:sldMasterIdLst>
   <p:sldIdLst>
     <p:sldId id="256" r:id="rId2"/>
-    <p:sldId id="257" r:id="rId3"/>
+    <p:sldId id="260" r:id="rId3"/>
+    <p:sldId id="266" r:id="rId4"/>
+    <p:sldId id="267" r:id="rId5"/>
+    <p:sldId id="261" r:id="rId6"/>
+    <p:sldId id="257" r:id="rId7"/>
+    <p:sldId id="258" r:id="rId8"/>
+    <p:sldId id="259" r:id="rId9"/>
+    <p:sldId id="262" r:id="rId10"/>
+    <p:sldId id="263" r:id="rId11"/>
+    <p:sldId id="264" r:id="rId12"/>
+    <p:sldId id="265" r:id="rId13"/>
+    <p:sldId id="268" r:id="rId14"/>
+    <p:sldId id="271" r:id="rId15"/>
+    <p:sldId id="269" r:id="rId16"/>
+    <p:sldId id="272" r:id="rId17"/>
+    <p:sldId id="270" r:id="rId18"/>
   </p:sldIdLst>
   <p:sldSz cx="12192000" cy="6858000"/>
   <p:notesSz cx="6858000" cy="9144000"/>
@@ -105,6 +120,11 @@
       </a:defRPr>
     </a:lvl9pPr>
   </p:defaultTextStyle>
+  <p:extLst>
+    <p:ext uri="{EFAFB233-063F-42B5-8137-9DF3F51BA10A}">
+      <p15:sldGuideLst xmlns:p15="http://schemas.microsoft.com/office/powerpoint/2012/main"/>
+    </p:ext>
+  </p:extLst>
 </p:presentation>
 </file>
 
@@ -919,36 +939,6 @@
           </a:p>
         </p:txBody>
       </p:sp>
-      <p:pic>
-        <p:nvPicPr>
-          <p:cNvPr id="7" name="Picture 6">
-            <a:extLst>
-              <a:ext uri="{FF2B5EF4-FFF2-40B4-BE49-F238E27FC236}">
-                <a16:creationId xmlns:a16="http://schemas.microsoft.com/office/drawing/2014/main" id="{A25F1365-4195-4FE8-8996-C9DA805D47CF}"/>
-              </a:ext>
-            </a:extLst>
-          </p:cNvPr>
-          <p:cNvPicPr>
-            <a:picLocks noChangeAspect="1"/>
-          </p:cNvPicPr>
-          <p:nvPr userDrawn="1"/>
-        </p:nvPicPr>
-        <p:blipFill>
-          <a:blip r:embed="rId2"/>
-          <a:stretch>
-            <a:fillRect/>
-          </a:stretch>
-        </p:blipFill>
-        <p:spPr>
-          <a:xfrm>
-            <a:off x="10087675" y="0"/>
-            <a:ext cx="2104326" cy="1375646"/>
-          </a:xfrm>
-          <a:prstGeom prst="rect">
-            <a:avLst/>
-          </a:prstGeom>
-        </p:spPr>
-      </p:pic>
     </p:spTree>
     <p:extLst>
       <p:ext uri="{BB962C8B-B14F-4D97-AF65-F5344CB8AC3E}">
@@ -1224,36 +1214,6 @@
           </a:p>
         </p:txBody>
       </p:sp>
-      <p:pic>
-        <p:nvPicPr>
-          <p:cNvPr id="7" name="Picture 6">
-            <a:extLst>
-              <a:ext uri="{FF2B5EF4-FFF2-40B4-BE49-F238E27FC236}">
-                <a16:creationId xmlns:a16="http://schemas.microsoft.com/office/drawing/2014/main" id="{D462B681-303F-47BE-8DB9-918296E2FD44}"/>
-              </a:ext>
-            </a:extLst>
-          </p:cNvPr>
-          <p:cNvPicPr>
-            <a:picLocks noChangeAspect="1"/>
-          </p:cNvPicPr>
-          <p:nvPr userDrawn="1"/>
-        </p:nvPicPr>
-        <p:blipFill>
-          <a:blip r:embed="rId2"/>
-          <a:stretch>
-            <a:fillRect/>
-          </a:stretch>
-        </p:blipFill>
-        <p:spPr>
-          <a:xfrm>
-            <a:off x="10087675" y="0"/>
-            <a:ext cx="2104326" cy="1375646"/>
-          </a:xfrm>
-          <a:prstGeom prst="rect">
-            <a:avLst/>
-          </a:prstGeom>
-        </p:spPr>
-      </p:pic>
     </p:spTree>
     <p:extLst>
       <p:ext uri="{BB962C8B-B14F-4D97-AF65-F5344CB8AC3E}">
@@ -2185,36 +2145,6 @@
           </a:p>
         </p:txBody>
       </p:sp>
-      <p:pic>
-        <p:nvPicPr>
-          <p:cNvPr id="5" name="Picture 4">
-            <a:extLst>
-              <a:ext uri="{FF2B5EF4-FFF2-40B4-BE49-F238E27FC236}">
-                <a16:creationId xmlns:a16="http://schemas.microsoft.com/office/drawing/2014/main" id="{BF2D175A-7688-47CB-9C0E-394B8A3B54B8}"/>
-              </a:ext>
-            </a:extLst>
-          </p:cNvPr>
-          <p:cNvPicPr>
-            <a:picLocks noChangeAspect="1"/>
-          </p:cNvPicPr>
-          <p:nvPr userDrawn="1"/>
-        </p:nvPicPr>
-        <p:blipFill>
-          <a:blip r:embed="rId2"/>
-          <a:stretch>
-            <a:fillRect/>
-          </a:stretch>
-        </p:blipFill>
-        <p:spPr>
-          <a:xfrm>
-            <a:off x="10087675" y="0"/>
-            <a:ext cx="2104326" cy="1375646"/>
-          </a:xfrm>
-          <a:prstGeom prst="rect">
-            <a:avLst/>
-          </a:prstGeom>
-        </p:spPr>
-      </p:pic>
     </p:spTree>
     <p:extLst>
       <p:ext uri="{BB962C8B-B14F-4D97-AF65-F5344CB8AC3E}">
@@ -3091,6 +3021,36 @@
           </a:p>
         </p:txBody>
       </p:sp>
+      <p:pic>
+        <p:nvPicPr>
+          <p:cNvPr id="7" name="Picture 6">
+            <a:extLst>
+              <a:ext uri="{FF2B5EF4-FFF2-40B4-BE49-F238E27FC236}">
+                <a16:creationId xmlns:a16="http://schemas.microsoft.com/office/drawing/2014/main" id="{CC8C4F17-1923-49D3-AAED-9F265409B53E}"/>
+              </a:ext>
+            </a:extLst>
+          </p:cNvPr>
+          <p:cNvPicPr>
+            <a:picLocks noChangeAspect="1"/>
+          </p:cNvPicPr>
+          <p:nvPr userDrawn="1"/>
+        </p:nvPicPr>
+        <p:blipFill>
+          <a:blip r:embed="rId13"/>
+          <a:stretch>
+            <a:fillRect/>
+          </a:stretch>
+        </p:blipFill>
+        <p:spPr>
+          <a:xfrm>
+            <a:off x="0" y="5489140"/>
+            <a:ext cx="2104326" cy="1375646"/>
+          </a:xfrm>
+          <a:prstGeom prst="rect">
+            <a:avLst/>
+          </a:prstGeom>
+        </p:spPr>
+      </p:pic>
     </p:spTree>
     <p:extLst>
       <p:ext uri="{BB962C8B-B14F-4D97-AF65-F5344CB8AC3E}">
@@ -3488,12 +3448,95 @@
           </a:p>
         </p:txBody>
       </p:sp>
+    </p:spTree>
+    <p:extLst>
+      <p:ext uri="{BB962C8B-B14F-4D97-AF65-F5344CB8AC3E}">
+        <p14:creationId xmlns:p14="http://schemas.microsoft.com/office/powerpoint/2010/main" val="259999133"/>
+      </p:ext>
+    </p:extLst>
+  </p:cSld>
+  <p:clrMapOvr>
+    <a:masterClrMapping/>
+  </p:clrMapOvr>
+</p:sld>
+</file>
+
+<file path=ppt/slides/slide10.xml><?xml version="1.0" encoding="utf-8"?>
+<p:sld xmlns:a="http://schemas.openxmlformats.org/drawingml/2006/main" xmlns:r="http://schemas.openxmlformats.org/officeDocument/2006/relationships" xmlns:p="http://schemas.openxmlformats.org/presentationml/2006/main">
+  <p:cSld>
+    <p:spTree>
+      <p:nvGrpSpPr>
+        <p:cNvPr id="1" name=""/>
+        <p:cNvGrpSpPr/>
+        <p:nvPr/>
+      </p:nvGrpSpPr>
+      <p:grpSpPr>
+        <a:xfrm>
+          <a:off x="0" y="0"/>
+          <a:ext cx="0" cy="0"/>
+          <a:chOff x="0" y="0"/>
+          <a:chExt cx="0" cy="0"/>
+        </a:xfrm>
+      </p:grpSpPr>
+      <p:sp>
+        <p:nvSpPr>
+          <p:cNvPr id="2" name="Title 1">
+            <a:extLst>
+              <a:ext uri="{FF2B5EF4-FFF2-40B4-BE49-F238E27FC236}">
+                <a16:creationId xmlns:a16="http://schemas.microsoft.com/office/drawing/2014/main" id="{5F84F9DD-2BE6-4039-8440-367F60C295E4}"/>
+              </a:ext>
+            </a:extLst>
+          </p:cNvPr>
+          <p:cNvSpPr>
+            <a:spLocks noGrp="1"/>
+          </p:cNvSpPr>
+          <p:nvPr>
+            <p:ph type="title"/>
+          </p:nvPr>
+        </p:nvSpPr>
+        <p:spPr/>
+        <p:txBody>
+          <a:bodyPr/>
+          <a:lstStyle/>
+          <a:p>
+            <a:r>
+              <a:rPr lang="en-US" dirty="0"/>
+              <a:t>Fig.3</a:t>
+            </a:r>
+          </a:p>
+        </p:txBody>
+      </p:sp>
+      <p:sp>
+        <p:nvSpPr>
+          <p:cNvPr id="3" name="Content Placeholder 2">
+            <a:extLst>
+              <a:ext uri="{FF2B5EF4-FFF2-40B4-BE49-F238E27FC236}">
+                <a16:creationId xmlns:a16="http://schemas.microsoft.com/office/drawing/2014/main" id="{24432F13-8F9A-4297-A280-B0DFAC6E7218}"/>
+              </a:ext>
+            </a:extLst>
+          </p:cNvPr>
+          <p:cNvSpPr>
+            <a:spLocks noGrp="1"/>
+          </p:cNvSpPr>
+          <p:nvPr>
+            <p:ph idx="1"/>
+          </p:nvPr>
+        </p:nvSpPr>
+        <p:spPr/>
+        <p:txBody>
+          <a:bodyPr/>
+          <a:lstStyle/>
+          <a:p>
+            <a:endParaRPr lang="en-US"/>
+          </a:p>
+        </p:txBody>
+      </p:sp>
       <p:pic>
         <p:nvPicPr>
-          <p:cNvPr id="5" name="Picture 4">
-            <a:extLst>
-              <a:ext uri="{FF2B5EF4-FFF2-40B4-BE49-F238E27FC236}">
-                <a16:creationId xmlns:a16="http://schemas.microsoft.com/office/drawing/2014/main" id="{71047B05-C5FF-47B8-84A0-EAD7AEC91DD4}"/>
+          <p:cNvPr id="4" name="Picture 3">
+            <a:extLst>
+              <a:ext uri="{FF2B5EF4-FFF2-40B4-BE49-F238E27FC236}">
+                <a16:creationId xmlns:a16="http://schemas.microsoft.com/office/drawing/2014/main" id="{0CA9A30F-E9DA-4462-AA97-AD9293B1D9C6}"/>
               </a:ext>
             </a:extLst>
           </p:cNvPr>
@@ -3503,45 +3546,21 @@
           <p:nvPr/>
         </p:nvPicPr>
         <p:blipFill>
-          <a:blip r:embed="rId2"/>
+          <a:blip r:embed="rId2">
+            <a:extLst>
+              <a:ext uri="{28A0092B-C50C-407E-A947-70E740481C1C}">
+                <a14:useLocalDpi xmlns:a14="http://schemas.microsoft.com/office/drawing/2010/main" val="0"/>
+              </a:ext>
+            </a:extLst>
+          </a:blip>
           <a:stretch>
             <a:fillRect/>
           </a:stretch>
         </p:blipFill>
         <p:spPr>
           <a:xfrm>
-            <a:off x="6991519" y="0"/>
-            <a:ext cx="5200481" cy="1030606"/>
-          </a:xfrm>
-          <a:prstGeom prst="rect">
-            <a:avLst/>
-          </a:prstGeom>
-        </p:spPr>
-      </p:pic>
-      <p:pic>
-        <p:nvPicPr>
-          <p:cNvPr id="6" name="Picture 5">
-            <a:extLst>
-              <a:ext uri="{FF2B5EF4-FFF2-40B4-BE49-F238E27FC236}">
-                <a16:creationId xmlns:a16="http://schemas.microsoft.com/office/drawing/2014/main" id="{40A1BDCA-D5A1-474A-8533-B0E68EF0346F}"/>
-              </a:ext>
-            </a:extLst>
-          </p:cNvPr>
-          <p:cNvPicPr>
-            <a:picLocks noChangeAspect="1"/>
-          </p:cNvPicPr>
-          <p:nvPr/>
-        </p:nvPicPr>
-        <p:blipFill>
-          <a:blip r:embed="rId3"/>
-          <a:stretch>
-            <a:fillRect/>
-          </a:stretch>
-        </p:blipFill>
-        <p:spPr>
-          <a:xfrm>
-            <a:off x="0" y="-65301"/>
-            <a:ext cx="5137513" cy="1161207"/>
+            <a:off x="3810351" y="1690688"/>
+            <a:ext cx="4571298" cy="4356312"/>
           </a:xfrm>
           <a:prstGeom prst="rect">
             <a:avLst/>
@@ -3551,7 +3570,795 @@
     </p:spTree>
     <p:extLst>
       <p:ext uri="{BB962C8B-B14F-4D97-AF65-F5344CB8AC3E}">
-        <p14:creationId xmlns:p14="http://schemas.microsoft.com/office/powerpoint/2010/main" val="259999133"/>
+        <p14:creationId xmlns:p14="http://schemas.microsoft.com/office/powerpoint/2010/main" val="1448767280"/>
+      </p:ext>
+    </p:extLst>
+  </p:cSld>
+  <p:clrMapOvr>
+    <a:masterClrMapping/>
+  </p:clrMapOvr>
+</p:sld>
+</file>
+
+<file path=ppt/slides/slide11.xml><?xml version="1.0" encoding="utf-8"?>
+<p:sld xmlns:a="http://schemas.openxmlformats.org/drawingml/2006/main" xmlns:r="http://schemas.openxmlformats.org/officeDocument/2006/relationships" xmlns:p="http://schemas.openxmlformats.org/presentationml/2006/main">
+  <p:cSld>
+    <p:spTree>
+      <p:nvGrpSpPr>
+        <p:cNvPr id="1" name=""/>
+        <p:cNvGrpSpPr/>
+        <p:nvPr/>
+      </p:nvGrpSpPr>
+      <p:grpSpPr>
+        <a:xfrm>
+          <a:off x="0" y="0"/>
+          <a:ext cx="0" cy="0"/>
+          <a:chOff x="0" y="0"/>
+          <a:chExt cx="0" cy="0"/>
+        </a:xfrm>
+      </p:grpSpPr>
+      <p:sp>
+        <p:nvSpPr>
+          <p:cNvPr id="2" name="Title 1">
+            <a:extLst>
+              <a:ext uri="{FF2B5EF4-FFF2-40B4-BE49-F238E27FC236}">
+                <a16:creationId xmlns:a16="http://schemas.microsoft.com/office/drawing/2014/main" id="{1C030D91-417E-4A12-84DB-C1D19EC6E29F}"/>
+              </a:ext>
+            </a:extLst>
+          </p:cNvPr>
+          <p:cNvSpPr>
+            <a:spLocks noGrp="1"/>
+          </p:cNvSpPr>
+          <p:nvPr>
+            <p:ph type="title"/>
+          </p:nvPr>
+        </p:nvSpPr>
+        <p:spPr/>
+        <p:txBody>
+          <a:bodyPr/>
+          <a:lstStyle/>
+          <a:p>
+            <a:r>
+              <a:rPr lang="en-US" dirty="0"/>
+              <a:t>Fig.4</a:t>
+            </a:r>
+          </a:p>
+        </p:txBody>
+      </p:sp>
+      <p:sp>
+        <p:nvSpPr>
+          <p:cNvPr id="3" name="Content Placeholder 2">
+            <a:extLst>
+              <a:ext uri="{FF2B5EF4-FFF2-40B4-BE49-F238E27FC236}">
+                <a16:creationId xmlns:a16="http://schemas.microsoft.com/office/drawing/2014/main" id="{C7A1C360-4401-419A-B051-DEE9F21128D6}"/>
+              </a:ext>
+            </a:extLst>
+          </p:cNvPr>
+          <p:cNvSpPr>
+            <a:spLocks noGrp="1"/>
+          </p:cNvSpPr>
+          <p:nvPr>
+            <p:ph idx="1"/>
+          </p:nvPr>
+        </p:nvSpPr>
+        <p:spPr/>
+        <p:txBody>
+          <a:bodyPr/>
+          <a:lstStyle/>
+          <a:p>
+            <a:endParaRPr lang="en-US"/>
+          </a:p>
+        </p:txBody>
+      </p:sp>
+      <p:pic>
+        <p:nvPicPr>
+          <p:cNvPr id="4" name="Picture 3">
+            <a:extLst>
+              <a:ext uri="{FF2B5EF4-FFF2-40B4-BE49-F238E27FC236}">
+                <a16:creationId xmlns:a16="http://schemas.microsoft.com/office/drawing/2014/main" id="{0EB1F67D-D94A-47BA-A268-BD7AA944A3EA}"/>
+              </a:ext>
+            </a:extLst>
+          </p:cNvPr>
+          <p:cNvPicPr>
+            <a:picLocks noChangeAspect="1"/>
+          </p:cNvPicPr>
+          <p:nvPr/>
+        </p:nvPicPr>
+        <p:blipFill>
+          <a:blip r:embed="rId2">
+            <a:extLst>
+              <a:ext uri="{28A0092B-C50C-407E-A947-70E740481C1C}">
+                <a14:useLocalDpi xmlns:a14="http://schemas.microsoft.com/office/drawing/2010/main" val="0"/>
+              </a:ext>
+            </a:extLst>
+          </a:blip>
+          <a:stretch>
+            <a:fillRect/>
+          </a:stretch>
+        </p:blipFill>
+        <p:spPr>
+          <a:xfrm>
+            <a:off x="3227623" y="1690688"/>
+            <a:ext cx="5736754" cy="4356313"/>
+          </a:xfrm>
+          <a:prstGeom prst="rect">
+            <a:avLst/>
+          </a:prstGeom>
+        </p:spPr>
+      </p:pic>
+    </p:spTree>
+    <p:extLst>
+      <p:ext uri="{BB962C8B-B14F-4D97-AF65-F5344CB8AC3E}">
+        <p14:creationId xmlns:p14="http://schemas.microsoft.com/office/powerpoint/2010/main" val="3107506361"/>
+      </p:ext>
+    </p:extLst>
+  </p:cSld>
+  <p:clrMapOvr>
+    <a:masterClrMapping/>
+  </p:clrMapOvr>
+</p:sld>
+</file>
+
+<file path=ppt/slides/slide12.xml><?xml version="1.0" encoding="utf-8"?>
+<p:sld xmlns:a="http://schemas.openxmlformats.org/drawingml/2006/main" xmlns:r="http://schemas.openxmlformats.org/officeDocument/2006/relationships" xmlns:p="http://schemas.openxmlformats.org/presentationml/2006/main">
+  <p:cSld>
+    <p:spTree>
+      <p:nvGrpSpPr>
+        <p:cNvPr id="1" name=""/>
+        <p:cNvGrpSpPr/>
+        <p:nvPr/>
+      </p:nvGrpSpPr>
+      <p:grpSpPr>
+        <a:xfrm>
+          <a:off x="0" y="0"/>
+          <a:ext cx="0" cy="0"/>
+          <a:chOff x="0" y="0"/>
+          <a:chExt cx="0" cy="0"/>
+        </a:xfrm>
+      </p:grpSpPr>
+      <p:sp>
+        <p:nvSpPr>
+          <p:cNvPr id="2" name="Title 1">
+            <a:extLst>
+              <a:ext uri="{FF2B5EF4-FFF2-40B4-BE49-F238E27FC236}">
+                <a16:creationId xmlns:a16="http://schemas.microsoft.com/office/drawing/2014/main" id="{13B0989F-7001-43EA-AD0C-019BDD4F609D}"/>
+              </a:ext>
+            </a:extLst>
+          </p:cNvPr>
+          <p:cNvSpPr>
+            <a:spLocks noGrp="1"/>
+          </p:cNvSpPr>
+          <p:nvPr>
+            <p:ph type="title"/>
+          </p:nvPr>
+        </p:nvSpPr>
+        <p:spPr/>
+        <p:txBody>
+          <a:bodyPr/>
+          <a:lstStyle/>
+          <a:p>
+            <a:r>
+              <a:rPr lang="en-US" dirty="0"/>
+              <a:t>Fig.5</a:t>
+            </a:r>
+          </a:p>
+        </p:txBody>
+      </p:sp>
+      <p:sp>
+        <p:nvSpPr>
+          <p:cNvPr id="3" name="Content Placeholder 2">
+            <a:extLst>
+              <a:ext uri="{FF2B5EF4-FFF2-40B4-BE49-F238E27FC236}">
+                <a16:creationId xmlns:a16="http://schemas.microsoft.com/office/drawing/2014/main" id="{0F4DF76F-A709-4B92-B798-74460F9FF543}"/>
+              </a:ext>
+            </a:extLst>
+          </p:cNvPr>
+          <p:cNvSpPr>
+            <a:spLocks noGrp="1"/>
+          </p:cNvSpPr>
+          <p:nvPr>
+            <p:ph idx="1"/>
+          </p:nvPr>
+        </p:nvSpPr>
+        <p:spPr/>
+        <p:txBody>
+          <a:bodyPr/>
+          <a:lstStyle/>
+          <a:p>
+            <a:endParaRPr lang="en-US"/>
+          </a:p>
+        </p:txBody>
+      </p:sp>
+      <p:pic>
+        <p:nvPicPr>
+          <p:cNvPr id="4" name="Picture 3">
+            <a:extLst>
+              <a:ext uri="{FF2B5EF4-FFF2-40B4-BE49-F238E27FC236}">
+                <a16:creationId xmlns:a16="http://schemas.microsoft.com/office/drawing/2014/main" id="{AE621210-94B2-4469-9C7A-6A0011D36676}"/>
+              </a:ext>
+            </a:extLst>
+          </p:cNvPr>
+          <p:cNvPicPr>
+            <a:picLocks noChangeAspect="1"/>
+          </p:cNvPicPr>
+          <p:nvPr/>
+        </p:nvPicPr>
+        <p:blipFill>
+          <a:blip r:embed="rId2">
+            <a:extLst>
+              <a:ext uri="{28A0092B-C50C-407E-A947-70E740481C1C}">
+                <a14:useLocalDpi xmlns:a14="http://schemas.microsoft.com/office/drawing/2010/main" val="0"/>
+              </a:ext>
+            </a:extLst>
+          </a:blip>
+          <a:stretch>
+            <a:fillRect/>
+          </a:stretch>
+        </p:blipFill>
+        <p:spPr>
+          <a:xfrm>
+            <a:off x="2656210" y="1160625"/>
+            <a:ext cx="6879579" cy="5182314"/>
+          </a:xfrm>
+          <a:prstGeom prst="rect">
+            <a:avLst/>
+          </a:prstGeom>
+        </p:spPr>
+      </p:pic>
+    </p:spTree>
+    <p:extLst>
+      <p:ext uri="{BB962C8B-B14F-4D97-AF65-F5344CB8AC3E}">
+        <p14:creationId xmlns:p14="http://schemas.microsoft.com/office/powerpoint/2010/main" val="2647980700"/>
+      </p:ext>
+    </p:extLst>
+  </p:cSld>
+  <p:clrMapOvr>
+    <a:masterClrMapping/>
+  </p:clrMapOvr>
+</p:sld>
+</file>
+
+<file path=ppt/slides/slide13.xml><?xml version="1.0" encoding="utf-8"?>
+<p:sld xmlns:a="http://schemas.openxmlformats.org/drawingml/2006/main" xmlns:r="http://schemas.openxmlformats.org/officeDocument/2006/relationships" xmlns:p="http://schemas.openxmlformats.org/presentationml/2006/main">
+  <p:cSld>
+    <p:spTree>
+      <p:nvGrpSpPr>
+        <p:cNvPr id="1" name=""/>
+        <p:cNvGrpSpPr/>
+        <p:nvPr/>
+      </p:nvGrpSpPr>
+      <p:grpSpPr>
+        <a:xfrm>
+          <a:off x="0" y="0"/>
+          <a:ext cx="0" cy="0"/>
+          <a:chOff x="0" y="0"/>
+          <a:chExt cx="0" cy="0"/>
+        </a:xfrm>
+      </p:grpSpPr>
+      <p:sp>
+        <p:nvSpPr>
+          <p:cNvPr id="2" name="Title 1">
+            <a:extLst>
+              <a:ext uri="{FF2B5EF4-FFF2-40B4-BE49-F238E27FC236}">
+                <a16:creationId xmlns:a16="http://schemas.microsoft.com/office/drawing/2014/main" id="{C03263FB-5EC7-4B9A-85D4-507CD7C1F249}"/>
+              </a:ext>
+            </a:extLst>
+          </p:cNvPr>
+          <p:cNvSpPr>
+            <a:spLocks noGrp="1"/>
+          </p:cNvSpPr>
+          <p:nvPr>
+            <p:ph type="title"/>
+          </p:nvPr>
+        </p:nvSpPr>
+        <p:spPr/>
+        <p:txBody>
+          <a:bodyPr/>
+          <a:lstStyle/>
+          <a:p>
+            <a:r>
+              <a:rPr lang="en-US" dirty="0"/>
+              <a:t>Develop Prototype</a:t>
+            </a:r>
+          </a:p>
+        </p:txBody>
+      </p:sp>
+      <p:sp>
+        <p:nvSpPr>
+          <p:cNvPr id="3" name="Text Placeholder 2">
+            <a:extLst>
+              <a:ext uri="{FF2B5EF4-FFF2-40B4-BE49-F238E27FC236}">
+                <a16:creationId xmlns:a16="http://schemas.microsoft.com/office/drawing/2014/main" id="{076CAA87-05FE-4490-8275-60C69DDC0C8E}"/>
+              </a:ext>
+            </a:extLst>
+          </p:cNvPr>
+          <p:cNvSpPr>
+            <a:spLocks noGrp="1"/>
+          </p:cNvSpPr>
+          <p:nvPr>
+            <p:ph type="body" idx="1"/>
+          </p:nvPr>
+        </p:nvSpPr>
+        <p:spPr/>
+        <p:txBody>
+          <a:bodyPr/>
+          <a:lstStyle/>
+          <a:p>
+            <a:endParaRPr lang="en-US"/>
+          </a:p>
+        </p:txBody>
+      </p:sp>
+    </p:spTree>
+    <p:extLst>
+      <p:ext uri="{BB962C8B-B14F-4D97-AF65-F5344CB8AC3E}">
+        <p14:creationId xmlns:p14="http://schemas.microsoft.com/office/powerpoint/2010/main" val="3560723056"/>
+      </p:ext>
+    </p:extLst>
+  </p:cSld>
+  <p:clrMapOvr>
+    <a:masterClrMapping/>
+  </p:clrMapOvr>
+</p:sld>
+</file>
+
+<file path=ppt/slides/slide14.xml><?xml version="1.0" encoding="utf-8"?>
+<p:sld xmlns:a="http://schemas.openxmlformats.org/drawingml/2006/main" xmlns:r="http://schemas.openxmlformats.org/officeDocument/2006/relationships" xmlns:p="http://schemas.openxmlformats.org/presentationml/2006/main">
+  <p:cSld>
+    <p:spTree>
+      <p:nvGrpSpPr>
+        <p:cNvPr id="1" name=""/>
+        <p:cNvGrpSpPr/>
+        <p:nvPr/>
+      </p:nvGrpSpPr>
+      <p:grpSpPr>
+        <a:xfrm>
+          <a:off x="0" y="0"/>
+          <a:ext cx="0" cy="0"/>
+          <a:chOff x="0" y="0"/>
+          <a:chExt cx="0" cy="0"/>
+        </a:xfrm>
+      </p:grpSpPr>
+      <p:sp>
+        <p:nvSpPr>
+          <p:cNvPr id="2" name="Title 1">
+            <a:extLst>
+              <a:ext uri="{FF2B5EF4-FFF2-40B4-BE49-F238E27FC236}">
+                <a16:creationId xmlns:a16="http://schemas.microsoft.com/office/drawing/2014/main" id="{6D47B15C-DB29-4155-9F2B-3A2DC48B9CEA}"/>
+              </a:ext>
+            </a:extLst>
+          </p:cNvPr>
+          <p:cNvSpPr>
+            <a:spLocks noGrp="1"/>
+          </p:cNvSpPr>
+          <p:nvPr>
+            <p:ph type="title"/>
+          </p:nvPr>
+        </p:nvSpPr>
+        <p:spPr/>
+        <p:txBody>
+          <a:bodyPr/>
+          <a:lstStyle/>
+          <a:p>
+            <a:r>
+              <a:rPr lang="en-US" dirty="0"/>
+              <a:t>How to develop any prototype</a:t>
+            </a:r>
+          </a:p>
+        </p:txBody>
+      </p:sp>
+      <p:sp>
+        <p:nvSpPr>
+          <p:cNvPr id="3" name="Content Placeholder 2">
+            <a:extLst>
+              <a:ext uri="{FF2B5EF4-FFF2-40B4-BE49-F238E27FC236}">
+                <a16:creationId xmlns:a16="http://schemas.microsoft.com/office/drawing/2014/main" id="{21FABBC8-F154-4954-9E64-F296CE2F254D}"/>
+              </a:ext>
+            </a:extLst>
+          </p:cNvPr>
+          <p:cNvSpPr>
+            <a:spLocks noGrp="1"/>
+          </p:cNvSpPr>
+          <p:nvPr>
+            <p:ph idx="1"/>
+          </p:nvPr>
+        </p:nvSpPr>
+        <p:spPr/>
+        <p:txBody>
+          <a:bodyPr/>
+          <a:lstStyle/>
+          <a:p>
+            <a:r>
+              <a:rPr lang="en-US" dirty="0"/>
+              <a:t>  - A brief IDEA about any non-pure-software stuff</a:t>
+            </a:r>
+          </a:p>
+          <a:p>
+            <a:r>
+              <a:rPr lang="en-US" dirty="0"/>
+              <a:t>  - Split the function into a few small function</a:t>
+            </a:r>
+          </a:p>
+          <a:p>
+            <a:r>
+              <a:rPr lang="en-US" dirty="0"/>
+              <a:t>  - Decide use which model to achieve each function</a:t>
+            </a:r>
+          </a:p>
+          <a:p>
+            <a:r>
+              <a:rPr lang="en-US" dirty="0"/>
+              <a:t>  - Buy lots of stuff from Taobao, JLC</a:t>
+            </a:r>
+          </a:p>
+          <a:p>
+            <a:r>
+              <a:rPr lang="en-US" dirty="0"/>
+              <a:t>  - Build the prototype</a:t>
+            </a:r>
+          </a:p>
+          <a:p>
+            <a:r>
+              <a:rPr lang="en-US" dirty="0"/>
+              <a:t>  - Test and Debug</a:t>
+            </a:r>
+          </a:p>
+          <a:p>
+            <a:r>
+              <a:rPr lang="en-US" dirty="0"/>
+              <a:t>  - Iteration</a:t>
+            </a:r>
+          </a:p>
+        </p:txBody>
+      </p:sp>
+    </p:spTree>
+    <p:extLst>
+      <p:ext uri="{BB962C8B-B14F-4D97-AF65-F5344CB8AC3E}">
+        <p14:creationId xmlns:p14="http://schemas.microsoft.com/office/powerpoint/2010/main" val="2363466076"/>
+      </p:ext>
+    </p:extLst>
+  </p:cSld>
+  <p:clrMapOvr>
+    <a:masterClrMapping/>
+  </p:clrMapOvr>
+</p:sld>
+</file>
+
+<file path=ppt/slides/slide15.xml><?xml version="1.0" encoding="utf-8"?>
+<p:sld xmlns:a="http://schemas.openxmlformats.org/drawingml/2006/main" xmlns:r="http://schemas.openxmlformats.org/officeDocument/2006/relationships" xmlns:p="http://schemas.openxmlformats.org/presentationml/2006/main">
+  <p:cSld>
+    <p:spTree>
+      <p:nvGrpSpPr>
+        <p:cNvPr id="1" name=""/>
+        <p:cNvGrpSpPr/>
+        <p:nvPr/>
+      </p:nvGrpSpPr>
+      <p:grpSpPr>
+        <a:xfrm>
+          <a:off x="0" y="0"/>
+          <a:ext cx="0" cy="0"/>
+          <a:chOff x="0" y="0"/>
+          <a:chExt cx="0" cy="0"/>
+        </a:xfrm>
+      </p:grpSpPr>
+      <p:sp>
+        <p:nvSpPr>
+          <p:cNvPr id="2" name="Title 1">
+            <a:extLst>
+              <a:ext uri="{FF2B5EF4-FFF2-40B4-BE49-F238E27FC236}">
+                <a16:creationId xmlns:a16="http://schemas.microsoft.com/office/drawing/2014/main" id="{170D7CCD-45C5-4A20-94ED-E5288D28C807}"/>
+              </a:ext>
+            </a:extLst>
+          </p:cNvPr>
+          <p:cNvSpPr>
+            <a:spLocks noGrp="1"/>
+          </p:cNvSpPr>
+          <p:nvPr>
+            <p:ph type="title"/>
+          </p:nvPr>
+        </p:nvSpPr>
+        <p:spPr/>
+        <p:txBody>
+          <a:bodyPr/>
+          <a:lstStyle/>
+          <a:p>
+            <a:r>
+              <a:rPr lang="en-US" dirty="0"/>
+              <a:t>Skills needed</a:t>
+            </a:r>
+          </a:p>
+        </p:txBody>
+      </p:sp>
+      <p:sp>
+        <p:nvSpPr>
+          <p:cNvPr id="3" name="Text Placeholder 2">
+            <a:extLst>
+              <a:ext uri="{FF2B5EF4-FFF2-40B4-BE49-F238E27FC236}">
+                <a16:creationId xmlns:a16="http://schemas.microsoft.com/office/drawing/2014/main" id="{0B15F4E5-2A77-4E05-BCB6-A4963750D15F}"/>
+              </a:ext>
+            </a:extLst>
+          </p:cNvPr>
+          <p:cNvSpPr>
+            <a:spLocks noGrp="1"/>
+          </p:cNvSpPr>
+          <p:nvPr>
+            <p:ph type="body" idx="1"/>
+          </p:nvPr>
+        </p:nvSpPr>
+        <p:spPr/>
+        <p:txBody>
+          <a:bodyPr/>
+          <a:lstStyle/>
+          <a:p>
+            <a:endParaRPr lang="en-US"/>
+          </a:p>
+        </p:txBody>
+      </p:sp>
+    </p:spTree>
+    <p:extLst>
+      <p:ext uri="{BB962C8B-B14F-4D97-AF65-F5344CB8AC3E}">
+        <p14:creationId xmlns:p14="http://schemas.microsoft.com/office/powerpoint/2010/main" val="1085752088"/>
+      </p:ext>
+    </p:extLst>
+  </p:cSld>
+  <p:clrMapOvr>
+    <a:masterClrMapping/>
+  </p:clrMapOvr>
+</p:sld>
+</file>
+
+<file path=ppt/slides/slide16.xml><?xml version="1.0" encoding="utf-8"?>
+<p:sld xmlns:a="http://schemas.openxmlformats.org/drawingml/2006/main" xmlns:r="http://schemas.openxmlformats.org/officeDocument/2006/relationships" xmlns:p="http://schemas.openxmlformats.org/presentationml/2006/main">
+  <p:cSld>
+    <p:spTree>
+      <p:nvGrpSpPr>
+        <p:cNvPr id="1" name=""/>
+        <p:cNvGrpSpPr/>
+        <p:nvPr/>
+      </p:nvGrpSpPr>
+      <p:grpSpPr>
+        <a:xfrm>
+          <a:off x="0" y="0"/>
+          <a:ext cx="0" cy="0"/>
+          <a:chOff x="0" y="0"/>
+          <a:chExt cx="0" cy="0"/>
+        </a:xfrm>
+      </p:grpSpPr>
+      <p:sp>
+        <p:nvSpPr>
+          <p:cNvPr id="2" name="Title 1">
+            <a:extLst>
+              <a:ext uri="{FF2B5EF4-FFF2-40B4-BE49-F238E27FC236}">
+                <a16:creationId xmlns:a16="http://schemas.microsoft.com/office/drawing/2014/main" id="{A5593531-DC09-4386-949B-CE1B61D5777F}"/>
+              </a:ext>
+            </a:extLst>
+          </p:cNvPr>
+          <p:cNvSpPr>
+            <a:spLocks noGrp="1"/>
+          </p:cNvSpPr>
+          <p:nvPr>
+            <p:ph type="title"/>
+          </p:nvPr>
+        </p:nvSpPr>
+        <p:spPr/>
+        <p:txBody>
+          <a:bodyPr/>
+          <a:lstStyle/>
+          <a:p>
+            <a:r>
+              <a:rPr lang="en-US" dirty="0"/>
+              <a:t>A list of what we need to learn</a:t>
+            </a:r>
+          </a:p>
+        </p:txBody>
+      </p:sp>
+      <p:sp>
+        <p:nvSpPr>
+          <p:cNvPr id="3" name="Content Placeholder 2">
+            <a:extLst>
+              <a:ext uri="{FF2B5EF4-FFF2-40B4-BE49-F238E27FC236}">
+                <a16:creationId xmlns:a16="http://schemas.microsoft.com/office/drawing/2014/main" id="{CC8D4CF7-9E83-41A3-B222-BB84EAC00DF6}"/>
+              </a:ext>
+            </a:extLst>
+          </p:cNvPr>
+          <p:cNvSpPr>
+            <a:spLocks noGrp="1"/>
+          </p:cNvSpPr>
+          <p:nvPr>
+            <p:ph idx="1"/>
+          </p:nvPr>
+        </p:nvSpPr>
+        <p:spPr>
+          <a:xfrm>
+            <a:off x="2039192" y="1549626"/>
+            <a:ext cx="9314607" cy="5231500"/>
+          </a:xfrm>
+        </p:spPr>
+        <p:txBody>
+          <a:bodyPr>
+            <a:normAutofit lnSpcReduction="10000"/>
+          </a:bodyPr>
+          <a:lstStyle/>
+          <a:p>
+            <a:pPr marL="0" indent="0">
+              <a:buNone/>
+            </a:pPr>
+            <a:r>
+              <a:rPr lang="en-US" dirty="0"/>
+              <a:t>  1. Dev boards such as Arduino and STM32; </a:t>
+            </a:r>
+          </a:p>
+          <a:p>
+            <a:pPr marL="0" indent="0">
+              <a:buNone/>
+            </a:pPr>
+            <a:r>
+              <a:rPr lang="en-US" dirty="0"/>
+              <a:t>  2. Communication protocol such as UART, SPI, I2C, and RS232; </a:t>
+            </a:r>
+          </a:p>
+          <a:p>
+            <a:pPr marL="0" indent="0">
+              <a:buNone/>
+            </a:pPr>
+            <a:r>
+              <a:rPr lang="en-US" dirty="0"/>
+              <a:t>  3. Programming languages including C, Python, Java, C++, Verilog; </a:t>
+            </a:r>
+          </a:p>
+          <a:p>
+            <a:pPr marL="0" indent="0">
+              <a:buNone/>
+            </a:pPr>
+            <a:r>
+              <a:rPr lang="en-US" dirty="0"/>
+              <a:t>  4. Debug tools such as oscilloscope, waveform generator, multimeter; </a:t>
+            </a:r>
+          </a:p>
+          <a:p>
+            <a:pPr marL="0" indent="0">
+              <a:buNone/>
+            </a:pPr>
+            <a:r>
+              <a:rPr lang="en-US" dirty="0"/>
+              <a:t>  5. Peripherals(</a:t>
+            </a:r>
+            <a:r>
+              <a:rPr lang="zh-CN" altLang="en-US" dirty="0"/>
+              <a:t>外设</a:t>
+            </a:r>
+            <a:r>
+              <a:rPr lang="en-US" altLang="zh-CN" dirty="0"/>
+              <a:t>) </a:t>
+            </a:r>
+            <a:r>
+              <a:rPr lang="en-US" dirty="0"/>
+              <a:t>like brushless motor, servo motor, stepper motor, microphone, IMU, display; </a:t>
+            </a:r>
+          </a:p>
+          <a:p>
+            <a:pPr marL="0" indent="0">
+              <a:buNone/>
+            </a:pPr>
+            <a:r>
+              <a:rPr lang="en-US" dirty="0"/>
+              <a:t>  6. Circuits simulate and PCB design tools: Multisim, </a:t>
+            </a:r>
+            <a:r>
+              <a:rPr lang="en-US" dirty="0" err="1"/>
+              <a:t>KiCAD</a:t>
+            </a:r>
+            <a:r>
+              <a:rPr lang="en-US" dirty="0"/>
+              <a:t>, Altium Designer; </a:t>
+            </a:r>
+          </a:p>
+          <a:p>
+            <a:pPr marL="0" indent="0">
+              <a:buNone/>
+            </a:pPr>
+            <a:r>
+              <a:rPr lang="en-US" dirty="0"/>
+              <a:t>  7. Soldering and SMT: QFNP, QFP, BGA, DIP......JLC</a:t>
+            </a:r>
+          </a:p>
+          <a:p>
+            <a:pPr marL="0" indent="0">
+              <a:buNone/>
+            </a:pPr>
+            <a:r>
+              <a:rPr lang="en-US" dirty="0"/>
+              <a:t>  8. Algorithms: FFT, PID</a:t>
+            </a:r>
+          </a:p>
+        </p:txBody>
+      </p:sp>
+    </p:spTree>
+    <p:extLst>
+      <p:ext uri="{BB962C8B-B14F-4D97-AF65-F5344CB8AC3E}">
+        <p14:creationId xmlns:p14="http://schemas.microsoft.com/office/powerpoint/2010/main" val="3956547012"/>
+      </p:ext>
+    </p:extLst>
+  </p:cSld>
+  <p:clrMapOvr>
+    <a:masterClrMapping/>
+  </p:clrMapOvr>
+</p:sld>
+</file>
+
+<file path=ppt/slides/slide17.xml><?xml version="1.0" encoding="utf-8"?>
+<p:sld xmlns:a="http://schemas.openxmlformats.org/drawingml/2006/main" xmlns:r="http://schemas.openxmlformats.org/officeDocument/2006/relationships" xmlns:p="http://schemas.openxmlformats.org/presentationml/2006/main">
+  <p:cSld>
+    <p:spTree>
+      <p:nvGrpSpPr>
+        <p:cNvPr id="1" name=""/>
+        <p:cNvGrpSpPr/>
+        <p:nvPr/>
+      </p:nvGrpSpPr>
+      <p:grpSpPr>
+        <a:xfrm>
+          <a:off x="0" y="0"/>
+          <a:ext cx="0" cy="0"/>
+          <a:chOff x="0" y="0"/>
+          <a:chExt cx="0" cy="0"/>
+        </a:xfrm>
+      </p:grpSpPr>
+      <p:sp>
+        <p:nvSpPr>
+          <p:cNvPr id="2" name="Title 1">
+            <a:extLst>
+              <a:ext uri="{FF2B5EF4-FFF2-40B4-BE49-F238E27FC236}">
+                <a16:creationId xmlns:a16="http://schemas.microsoft.com/office/drawing/2014/main" id="{EF721558-9B53-484B-A155-01EACF50481A}"/>
+              </a:ext>
+            </a:extLst>
+          </p:cNvPr>
+          <p:cNvSpPr>
+            <a:spLocks noGrp="1"/>
+          </p:cNvSpPr>
+          <p:nvPr>
+            <p:ph type="title"/>
+          </p:nvPr>
+        </p:nvSpPr>
+        <p:spPr/>
+        <p:txBody>
+          <a:bodyPr/>
+          <a:lstStyle/>
+          <a:p>
+            <a:r>
+              <a:rPr lang="en-US" dirty="0"/>
+              <a:t>The Future</a:t>
+            </a:r>
+          </a:p>
+        </p:txBody>
+      </p:sp>
+      <p:sp>
+        <p:nvSpPr>
+          <p:cNvPr id="3" name="Text Placeholder 2">
+            <a:extLst>
+              <a:ext uri="{FF2B5EF4-FFF2-40B4-BE49-F238E27FC236}">
+                <a16:creationId xmlns:a16="http://schemas.microsoft.com/office/drawing/2014/main" id="{E9030707-4DBA-4622-B583-364C52DA1438}"/>
+              </a:ext>
+            </a:extLst>
+          </p:cNvPr>
+          <p:cNvSpPr>
+            <a:spLocks noGrp="1"/>
+          </p:cNvSpPr>
+          <p:nvPr>
+            <p:ph type="body" idx="1"/>
+          </p:nvPr>
+        </p:nvSpPr>
+        <p:spPr/>
+        <p:txBody>
+          <a:bodyPr/>
+          <a:lstStyle/>
+          <a:p>
+            <a:endParaRPr lang="en-US"/>
+          </a:p>
+        </p:txBody>
+      </p:sp>
+    </p:spTree>
+    <p:extLst>
+      <p:ext uri="{BB962C8B-B14F-4D97-AF65-F5344CB8AC3E}">
+        <p14:creationId xmlns:p14="http://schemas.microsoft.com/office/powerpoint/2010/main" val="4209630926"/>
       </p:ext>
     </p:extLst>
   </p:cSld>
@@ -3583,6 +4390,460 @@
           <p:cNvPr id="2" name="Title 1">
             <a:extLst>
               <a:ext uri="{FF2B5EF4-FFF2-40B4-BE49-F238E27FC236}">
+                <a16:creationId xmlns:a16="http://schemas.microsoft.com/office/drawing/2014/main" id="{A218744C-DF56-4E83-9440-E52F9CDA4ED2}"/>
+              </a:ext>
+            </a:extLst>
+          </p:cNvPr>
+          <p:cNvSpPr>
+            <a:spLocks noGrp="1"/>
+          </p:cNvSpPr>
+          <p:nvPr>
+            <p:ph type="title"/>
+          </p:nvPr>
+        </p:nvSpPr>
+        <p:spPr/>
+        <p:txBody>
+          <a:bodyPr/>
+          <a:lstStyle/>
+          <a:p>
+            <a:r>
+              <a:rPr lang="en-US" altLang="zh-CN" dirty="0"/>
+              <a:t>Outline</a:t>
+            </a:r>
+            <a:endParaRPr lang="en-US" dirty="0"/>
+          </a:p>
+        </p:txBody>
+      </p:sp>
+      <p:sp>
+        <p:nvSpPr>
+          <p:cNvPr id="3" name="Content Placeholder 2">
+            <a:extLst>
+              <a:ext uri="{FF2B5EF4-FFF2-40B4-BE49-F238E27FC236}">
+                <a16:creationId xmlns:a16="http://schemas.microsoft.com/office/drawing/2014/main" id="{781DC393-9FA1-4E6B-9C26-B4EA6C9CF31F}"/>
+              </a:ext>
+            </a:extLst>
+          </p:cNvPr>
+          <p:cNvSpPr>
+            <a:spLocks noGrp="1"/>
+          </p:cNvSpPr>
+          <p:nvPr>
+            <p:ph idx="1"/>
+          </p:nvPr>
+        </p:nvSpPr>
+        <p:spPr/>
+        <p:txBody>
+          <a:bodyPr/>
+          <a:lstStyle/>
+          <a:p>
+            <a:r>
+              <a:rPr lang="en-US" dirty="0"/>
+              <a:t>What is Hardware Development</a:t>
+            </a:r>
+          </a:p>
+          <a:p>
+            <a:r>
+              <a:rPr lang="en-US" dirty="0"/>
+              <a:t>A thorough introduction of Microcontrollers</a:t>
+            </a:r>
+          </a:p>
+          <a:p>
+            <a:r>
+              <a:rPr lang="en-US" dirty="0"/>
+              <a:t>How to develop any prototype</a:t>
+            </a:r>
+          </a:p>
+          <a:p>
+            <a:r>
+              <a:rPr lang="en-US" dirty="0"/>
+              <a:t>A list of what we need to learn</a:t>
+            </a:r>
+          </a:p>
+          <a:p>
+            <a:r>
+              <a:rPr lang="en-US" dirty="0"/>
+              <a:t>Discussion about of hardware engineering</a:t>
+            </a:r>
+          </a:p>
+        </p:txBody>
+      </p:sp>
+    </p:spTree>
+    <p:extLst>
+      <p:ext uri="{BB962C8B-B14F-4D97-AF65-F5344CB8AC3E}">
+        <p14:creationId xmlns:p14="http://schemas.microsoft.com/office/powerpoint/2010/main" val="3529544231"/>
+      </p:ext>
+    </p:extLst>
+  </p:cSld>
+  <p:clrMapOvr>
+    <a:masterClrMapping/>
+  </p:clrMapOvr>
+</p:sld>
+</file>
+
+<file path=ppt/slides/slide3.xml><?xml version="1.0" encoding="utf-8"?>
+<p:sld xmlns:a="http://schemas.openxmlformats.org/drawingml/2006/main" xmlns:r="http://schemas.openxmlformats.org/officeDocument/2006/relationships" xmlns:p="http://schemas.openxmlformats.org/presentationml/2006/main">
+  <p:cSld>
+    <p:spTree>
+      <p:nvGrpSpPr>
+        <p:cNvPr id="1" name=""/>
+        <p:cNvGrpSpPr/>
+        <p:nvPr/>
+      </p:nvGrpSpPr>
+      <p:grpSpPr>
+        <a:xfrm>
+          <a:off x="0" y="0"/>
+          <a:ext cx="0" cy="0"/>
+          <a:chOff x="0" y="0"/>
+          <a:chExt cx="0" cy="0"/>
+        </a:xfrm>
+      </p:grpSpPr>
+      <p:sp>
+        <p:nvSpPr>
+          <p:cNvPr id="2" name="Title 1">
+            <a:extLst>
+              <a:ext uri="{FF2B5EF4-FFF2-40B4-BE49-F238E27FC236}">
+                <a16:creationId xmlns:a16="http://schemas.microsoft.com/office/drawing/2014/main" id="{437271D6-AECA-4563-8B03-CF3ABE71F7BA}"/>
+              </a:ext>
+            </a:extLst>
+          </p:cNvPr>
+          <p:cNvSpPr>
+            <a:spLocks noGrp="1"/>
+          </p:cNvSpPr>
+          <p:nvPr>
+            <p:ph type="title"/>
+          </p:nvPr>
+        </p:nvSpPr>
+        <p:spPr/>
+        <p:txBody>
+          <a:bodyPr/>
+          <a:lstStyle/>
+          <a:p>
+            <a:r>
+              <a:rPr lang="en-US" dirty="0"/>
+              <a:t>Hardware Development</a:t>
+            </a:r>
+          </a:p>
+        </p:txBody>
+      </p:sp>
+      <p:sp>
+        <p:nvSpPr>
+          <p:cNvPr id="3" name="Text Placeholder 2">
+            <a:extLst>
+              <a:ext uri="{FF2B5EF4-FFF2-40B4-BE49-F238E27FC236}">
+                <a16:creationId xmlns:a16="http://schemas.microsoft.com/office/drawing/2014/main" id="{DDB0F417-2529-4E0C-960A-412948A5884C}"/>
+              </a:ext>
+            </a:extLst>
+          </p:cNvPr>
+          <p:cNvSpPr>
+            <a:spLocks noGrp="1"/>
+          </p:cNvSpPr>
+          <p:nvPr>
+            <p:ph type="body" idx="1"/>
+          </p:nvPr>
+        </p:nvSpPr>
+        <p:spPr/>
+        <p:txBody>
+          <a:bodyPr/>
+          <a:lstStyle/>
+          <a:p>
+            <a:endParaRPr lang="en-US"/>
+          </a:p>
+        </p:txBody>
+      </p:sp>
+    </p:spTree>
+    <p:extLst>
+      <p:ext uri="{BB962C8B-B14F-4D97-AF65-F5344CB8AC3E}">
+        <p14:creationId xmlns:p14="http://schemas.microsoft.com/office/powerpoint/2010/main" val="2881912428"/>
+      </p:ext>
+    </p:extLst>
+  </p:cSld>
+  <p:clrMapOvr>
+    <a:masterClrMapping/>
+  </p:clrMapOvr>
+</p:sld>
+</file>
+
+<file path=ppt/slides/slide4.xml><?xml version="1.0" encoding="utf-8"?>
+<p:sld xmlns:a="http://schemas.openxmlformats.org/drawingml/2006/main" xmlns:r="http://schemas.openxmlformats.org/officeDocument/2006/relationships" xmlns:p="http://schemas.openxmlformats.org/presentationml/2006/main">
+  <p:cSld>
+    <p:spTree>
+      <p:nvGrpSpPr>
+        <p:cNvPr id="1" name=""/>
+        <p:cNvGrpSpPr/>
+        <p:nvPr/>
+      </p:nvGrpSpPr>
+      <p:grpSpPr>
+        <a:xfrm>
+          <a:off x="0" y="0"/>
+          <a:ext cx="0" cy="0"/>
+          <a:chOff x="0" y="0"/>
+          <a:chExt cx="0" cy="0"/>
+        </a:xfrm>
+      </p:grpSpPr>
+      <p:sp>
+        <p:nvSpPr>
+          <p:cNvPr id="2" name="Title 1">
+            <a:extLst>
+              <a:ext uri="{FF2B5EF4-FFF2-40B4-BE49-F238E27FC236}">
+                <a16:creationId xmlns:a16="http://schemas.microsoft.com/office/drawing/2014/main" id="{8B16AB6D-C338-4125-8997-700412DFD40F}"/>
+              </a:ext>
+            </a:extLst>
+          </p:cNvPr>
+          <p:cNvSpPr>
+            <a:spLocks noGrp="1"/>
+          </p:cNvSpPr>
+          <p:nvPr>
+            <p:ph type="title"/>
+          </p:nvPr>
+        </p:nvSpPr>
+        <p:spPr/>
+        <p:txBody>
+          <a:bodyPr/>
+          <a:lstStyle/>
+          <a:p>
+            <a:endParaRPr lang="en-US"/>
+          </a:p>
+        </p:txBody>
+      </p:sp>
+      <p:sp>
+        <p:nvSpPr>
+          <p:cNvPr id="3" name="Content Placeholder 2">
+            <a:extLst>
+              <a:ext uri="{FF2B5EF4-FFF2-40B4-BE49-F238E27FC236}">
+                <a16:creationId xmlns:a16="http://schemas.microsoft.com/office/drawing/2014/main" id="{C38A7B9A-9C50-4FE1-AD6E-3F490626CDA0}"/>
+              </a:ext>
+            </a:extLst>
+          </p:cNvPr>
+          <p:cNvSpPr>
+            <a:spLocks noGrp="1"/>
+          </p:cNvSpPr>
+          <p:nvPr>
+            <p:ph idx="1"/>
+          </p:nvPr>
+        </p:nvSpPr>
+        <p:spPr/>
+        <p:txBody>
+          <a:bodyPr/>
+          <a:lstStyle/>
+          <a:p>
+            <a:endParaRPr lang="en-US"/>
+          </a:p>
+        </p:txBody>
+      </p:sp>
+      <p:pic>
+        <p:nvPicPr>
+          <p:cNvPr id="2050" name="Picture 2" descr="https://www.lensrentals.com/blog/media/2018/10/1S7A7940sml.jpg">
+            <a:extLst>
+              <a:ext uri="{FF2B5EF4-FFF2-40B4-BE49-F238E27FC236}">
+                <a16:creationId xmlns:a16="http://schemas.microsoft.com/office/drawing/2014/main" id="{DA73BE52-7748-4BBB-A93A-980144F9FE65}"/>
+              </a:ext>
+            </a:extLst>
+          </p:cNvPr>
+          <p:cNvPicPr>
+            <a:picLocks noChangeAspect="1" noChangeArrowheads="1"/>
+          </p:cNvPicPr>
+          <p:nvPr/>
+        </p:nvPicPr>
+        <p:blipFill>
+          <a:blip r:embed="rId2">
+            <a:extLst>
+              <a:ext uri="{28A0092B-C50C-407E-A947-70E740481C1C}">
+                <a14:useLocalDpi xmlns:a14="http://schemas.microsoft.com/office/drawing/2010/main" val="0"/>
+              </a:ext>
+            </a:extLst>
+          </a:blip>
+          <a:srcRect/>
+          <a:stretch>
+            <a:fillRect/>
+          </a:stretch>
+        </p:blipFill>
+        <p:spPr bwMode="auto">
+          <a:xfrm>
+            <a:off x="6362024" y="2249921"/>
+            <a:ext cx="5715000" cy="3733800"/>
+          </a:xfrm>
+          <a:prstGeom prst="rect">
+            <a:avLst/>
+          </a:prstGeom>
+          <a:noFill/>
+          <a:extLst>
+            <a:ext uri="{909E8E84-426E-40DD-AFC4-6F175D3DCCD1}">
+              <a14:hiddenFill xmlns:a14="http://schemas.microsoft.com/office/drawing/2010/main">
+                <a:solidFill>
+                  <a:srgbClr val="FFFFFF"/>
+                </a:solidFill>
+              </a14:hiddenFill>
+            </a:ext>
+          </a:extLst>
+        </p:spPr>
+      </p:pic>
+      <p:pic>
+        <p:nvPicPr>
+          <p:cNvPr id="2052" name="Picture 4" descr="Canon EOS R Teardown">
+            <a:extLst>
+              <a:ext uri="{FF2B5EF4-FFF2-40B4-BE49-F238E27FC236}">
+                <a16:creationId xmlns:a16="http://schemas.microsoft.com/office/drawing/2014/main" id="{551245E8-DCA7-42F5-938E-BE961C2EC5C1}"/>
+              </a:ext>
+            </a:extLst>
+          </p:cNvPr>
+          <p:cNvPicPr>
+            <a:picLocks noChangeAspect="1" noChangeArrowheads="1"/>
+          </p:cNvPicPr>
+          <p:nvPr/>
+        </p:nvPicPr>
+        <p:blipFill>
+          <a:blip r:embed="rId3">
+            <a:extLst>
+              <a:ext uri="{28A0092B-C50C-407E-A947-70E740481C1C}">
+                <a14:useLocalDpi xmlns:a14="http://schemas.microsoft.com/office/drawing/2010/main" val="0"/>
+              </a:ext>
+            </a:extLst>
+          </a:blip>
+          <a:srcRect/>
+          <a:stretch>
+            <a:fillRect/>
+          </a:stretch>
+        </p:blipFill>
+        <p:spPr bwMode="auto">
+          <a:xfrm>
+            <a:off x="229278" y="2249921"/>
+            <a:ext cx="5600699" cy="3733799"/>
+          </a:xfrm>
+          <a:prstGeom prst="rect">
+            <a:avLst/>
+          </a:prstGeom>
+          <a:noFill/>
+          <a:extLst>
+            <a:ext uri="{909E8E84-426E-40DD-AFC4-6F175D3DCCD1}">
+              <a14:hiddenFill xmlns:a14="http://schemas.microsoft.com/office/drawing/2010/main">
+                <a:solidFill>
+                  <a:srgbClr val="FFFFFF"/>
+                </a:solidFill>
+              </a14:hiddenFill>
+            </a:ext>
+          </a:extLst>
+        </p:spPr>
+      </p:pic>
+    </p:spTree>
+    <p:extLst>
+      <p:ext uri="{BB962C8B-B14F-4D97-AF65-F5344CB8AC3E}">
+        <p14:creationId xmlns:p14="http://schemas.microsoft.com/office/powerpoint/2010/main" val="820321814"/>
+      </p:ext>
+    </p:extLst>
+  </p:cSld>
+  <p:clrMapOvr>
+    <a:masterClrMapping/>
+  </p:clrMapOvr>
+</p:sld>
+</file>
+
+<file path=ppt/slides/slide5.xml><?xml version="1.0" encoding="utf-8"?>
+<p:sld xmlns:a="http://schemas.openxmlformats.org/drawingml/2006/main" xmlns:r="http://schemas.openxmlformats.org/officeDocument/2006/relationships" xmlns:p="http://schemas.openxmlformats.org/presentationml/2006/main">
+  <p:cSld>
+    <p:spTree>
+      <p:nvGrpSpPr>
+        <p:cNvPr id="1" name=""/>
+        <p:cNvGrpSpPr/>
+        <p:nvPr/>
+      </p:nvGrpSpPr>
+      <p:grpSpPr>
+        <a:xfrm>
+          <a:off x="0" y="0"/>
+          <a:ext cx="0" cy="0"/>
+          <a:chOff x="0" y="0"/>
+          <a:chExt cx="0" cy="0"/>
+        </a:xfrm>
+      </p:grpSpPr>
+      <p:sp>
+        <p:nvSpPr>
+          <p:cNvPr id="2" name="Title 1">
+            <a:extLst>
+              <a:ext uri="{FF2B5EF4-FFF2-40B4-BE49-F238E27FC236}">
+                <a16:creationId xmlns:a16="http://schemas.microsoft.com/office/drawing/2014/main" id="{50A84873-C978-4115-8F54-4C7C73844FA4}"/>
+              </a:ext>
+            </a:extLst>
+          </p:cNvPr>
+          <p:cNvSpPr>
+            <a:spLocks noGrp="1"/>
+          </p:cNvSpPr>
+          <p:nvPr>
+            <p:ph type="title"/>
+          </p:nvPr>
+        </p:nvSpPr>
+        <p:spPr/>
+        <p:txBody>
+          <a:bodyPr/>
+          <a:lstStyle/>
+          <a:p>
+            <a:r>
+              <a:rPr lang="en-US" dirty="0"/>
+              <a:t>Microcontroller</a:t>
+            </a:r>
+          </a:p>
+        </p:txBody>
+      </p:sp>
+      <p:sp>
+        <p:nvSpPr>
+          <p:cNvPr id="3" name="Text Placeholder 2">
+            <a:extLst>
+              <a:ext uri="{FF2B5EF4-FFF2-40B4-BE49-F238E27FC236}">
+                <a16:creationId xmlns:a16="http://schemas.microsoft.com/office/drawing/2014/main" id="{A98E947D-6500-4A4C-9A20-6C1BA95821A2}"/>
+              </a:ext>
+            </a:extLst>
+          </p:cNvPr>
+          <p:cNvSpPr>
+            <a:spLocks noGrp="1"/>
+          </p:cNvSpPr>
+          <p:nvPr>
+            <p:ph type="body" idx="1"/>
+          </p:nvPr>
+        </p:nvSpPr>
+        <p:spPr/>
+        <p:txBody>
+          <a:bodyPr/>
+          <a:lstStyle/>
+          <a:p>
+            <a:r>
+              <a:rPr lang="en-US" dirty="0"/>
+              <a:t>The center of Hardware Development</a:t>
+            </a:r>
+          </a:p>
+        </p:txBody>
+      </p:sp>
+    </p:spTree>
+    <p:extLst>
+      <p:ext uri="{BB962C8B-B14F-4D97-AF65-F5344CB8AC3E}">
+        <p14:creationId xmlns:p14="http://schemas.microsoft.com/office/powerpoint/2010/main" val="3322155008"/>
+      </p:ext>
+    </p:extLst>
+  </p:cSld>
+  <p:clrMapOvr>
+    <a:masterClrMapping/>
+  </p:clrMapOvr>
+</p:sld>
+</file>
+
+<file path=ppt/slides/slide6.xml><?xml version="1.0" encoding="utf-8"?>
+<p:sld xmlns:a="http://schemas.openxmlformats.org/drawingml/2006/main" xmlns:r="http://schemas.openxmlformats.org/officeDocument/2006/relationships" xmlns:p="http://schemas.openxmlformats.org/presentationml/2006/main">
+  <p:cSld>
+    <p:spTree>
+      <p:nvGrpSpPr>
+        <p:cNvPr id="1" name=""/>
+        <p:cNvGrpSpPr/>
+        <p:nvPr/>
+      </p:nvGrpSpPr>
+      <p:grpSpPr>
+        <a:xfrm>
+          <a:off x="0" y="0"/>
+          <a:ext cx="0" cy="0"/>
+          <a:chOff x="0" y="0"/>
+          <a:chExt cx="0" cy="0"/>
+        </a:xfrm>
+      </p:grpSpPr>
+      <p:sp>
+        <p:nvSpPr>
+          <p:cNvPr id="2" name="Title 1">
+            <a:extLst>
+              <a:ext uri="{FF2B5EF4-FFF2-40B4-BE49-F238E27FC236}">
                 <a16:creationId xmlns:a16="http://schemas.microsoft.com/office/drawing/2014/main" id="{CBF9916B-139F-4E7D-8309-46AD943A1169}"/>
               </a:ext>
             </a:extLst>
@@ -3599,7 +4860,10 @@
           <a:bodyPr/>
           <a:lstStyle/>
           <a:p>
-            <a:endParaRPr lang="en-US"/>
+            <a:r>
+              <a:rPr lang="en-US" dirty="0"/>
+              <a:t>What is a microcontroller?</a:t>
+            </a:r>
           </a:p>
         </p:txBody>
       </p:sp>
@@ -3624,14 +4888,391 @@
           <a:bodyPr/>
           <a:lstStyle/>
           <a:p>
-            <a:endParaRPr lang="en-US"/>
-          </a:p>
-        </p:txBody>
-      </p:sp>
+            <a:r>
+              <a:rPr lang="en-US" dirty="0"/>
+              <a:t>Microcontrollers are single chip computers that include a minimum of a microprocessor, memory, and input-output module.</a:t>
+            </a:r>
+          </a:p>
+        </p:txBody>
+      </p:sp>
+      <p:pic>
+        <p:nvPicPr>
+          <p:cNvPr id="5" name="Picture 4">
+            <a:extLst>
+              <a:ext uri="{FF2B5EF4-FFF2-40B4-BE49-F238E27FC236}">
+                <a16:creationId xmlns:a16="http://schemas.microsoft.com/office/drawing/2014/main" id="{5D05E513-448B-4DB6-9ACF-5B2417B298C6}"/>
+              </a:ext>
+            </a:extLst>
+          </p:cNvPr>
+          <p:cNvPicPr>
+            <a:picLocks noChangeAspect="1"/>
+          </p:cNvPicPr>
+          <p:nvPr/>
+        </p:nvPicPr>
+        <p:blipFill>
+          <a:blip r:embed="rId2">
+            <a:extLst>
+              <a:ext uri="{28A0092B-C50C-407E-A947-70E740481C1C}">
+                <a14:useLocalDpi xmlns:a14="http://schemas.microsoft.com/office/drawing/2010/main" val="0"/>
+              </a:ext>
+            </a:extLst>
+          </a:blip>
+          <a:stretch>
+            <a:fillRect/>
+          </a:stretch>
+        </p:blipFill>
+        <p:spPr>
+          <a:xfrm>
+            <a:off x="6957578" y="3186288"/>
+            <a:ext cx="4396222" cy="3306587"/>
+          </a:xfrm>
+          <a:prstGeom prst="rect">
+            <a:avLst/>
+          </a:prstGeom>
+        </p:spPr>
+      </p:pic>
     </p:spTree>
     <p:extLst>
       <p:ext uri="{BB962C8B-B14F-4D97-AF65-F5344CB8AC3E}">
         <p14:creationId xmlns:p14="http://schemas.microsoft.com/office/powerpoint/2010/main" val="2946525981"/>
+      </p:ext>
+    </p:extLst>
+  </p:cSld>
+  <p:clrMapOvr>
+    <a:masterClrMapping/>
+  </p:clrMapOvr>
+</p:sld>
+</file>
+
+<file path=ppt/slides/slide7.xml><?xml version="1.0" encoding="utf-8"?>
+<p:sld xmlns:a="http://schemas.openxmlformats.org/drawingml/2006/main" xmlns:r="http://schemas.openxmlformats.org/officeDocument/2006/relationships" xmlns:p="http://schemas.openxmlformats.org/presentationml/2006/main">
+  <p:cSld>
+    <p:spTree>
+      <p:nvGrpSpPr>
+        <p:cNvPr id="1" name=""/>
+        <p:cNvGrpSpPr/>
+        <p:nvPr/>
+      </p:nvGrpSpPr>
+      <p:grpSpPr>
+        <a:xfrm>
+          <a:off x="0" y="0"/>
+          <a:ext cx="0" cy="0"/>
+          <a:chOff x="0" y="0"/>
+          <a:chExt cx="0" cy="0"/>
+        </a:xfrm>
+      </p:grpSpPr>
+      <p:sp>
+        <p:nvSpPr>
+          <p:cNvPr id="2" name="Title 1">
+            <a:extLst>
+              <a:ext uri="{FF2B5EF4-FFF2-40B4-BE49-F238E27FC236}">
+                <a16:creationId xmlns:a16="http://schemas.microsoft.com/office/drawing/2014/main" id="{AD1CB079-ABCB-468F-9F72-F3CB148476BF}"/>
+              </a:ext>
+            </a:extLst>
+          </p:cNvPr>
+          <p:cNvSpPr>
+            <a:spLocks noGrp="1"/>
+          </p:cNvSpPr>
+          <p:nvPr>
+            <p:ph type="title"/>
+          </p:nvPr>
+        </p:nvSpPr>
+        <p:spPr/>
+        <p:txBody>
+          <a:bodyPr>
+            <a:normAutofit/>
+          </a:bodyPr>
+          <a:lstStyle/>
+          <a:p>
+            <a:r>
+              <a:rPr lang="en-US" sz="4000" dirty="0"/>
+              <a:t>The differences between a microprocessor and a microcontroller.</a:t>
+            </a:r>
+          </a:p>
+        </p:txBody>
+      </p:sp>
+      <p:sp>
+        <p:nvSpPr>
+          <p:cNvPr id="3" name="Content Placeholder 2">
+            <a:extLst>
+              <a:ext uri="{FF2B5EF4-FFF2-40B4-BE49-F238E27FC236}">
+                <a16:creationId xmlns:a16="http://schemas.microsoft.com/office/drawing/2014/main" id="{C15E6D57-0F80-44BF-99A6-E29C661B3CB1}"/>
+              </a:ext>
+            </a:extLst>
+          </p:cNvPr>
+          <p:cNvSpPr>
+            <a:spLocks noGrp="1"/>
+          </p:cNvSpPr>
+          <p:nvPr>
+            <p:ph idx="1"/>
+          </p:nvPr>
+        </p:nvSpPr>
+        <p:spPr/>
+        <p:txBody>
+          <a:bodyPr/>
+          <a:lstStyle/>
+          <a:p>
+            <a:r>
+              <a:rPr lang="en-US" dirty="0"/>
+              <a:t>a microprocessor requires several additional external support chips such as memory and input-output circuits</a:t>
+            </a:r>
+          </a:p>
+        </p:txBody>
+      </p:sp>
+      <p:pic>
+        <p:nvPicPr>
+          <p:cNvPr id="5" name="Picture 4">
+            <a:extLst>
+              <a:ext uri="{FF2B5EF4-FFF2-40B4-BE49-F238E27FC236}">
+                <a16:creationId xmlns:a16="http://schemas.microsoft.com/office/drawing/2014/main" id="{9D34B1CF-4D1B-455E-8CD6-3BCAF637F266}"/>
+              </a:ext>
+            </a:extLst>
+          </p:cNvPr>
+          <p:cNvPicPr>
+            <a:picLocks noChangeAspect="1"/>
+          </p:cNvPicPr>
+          <p:nvPr/>
+        </p:nvPicPr>
+        <p:blipFill>
+          <a:blip r:embed="rId2">
+            <a:extLst>
+              <a:ext uri="{28A0092B-C50C-407E-A947-70E740481C1C}">
+                <a14:useLocalDpi xmlns:a14="http://schemas.microsoft.com/office/drawing/2010/main" val="0"/>
+              </a:ext>
+            </a:extLst>
+          </a:blip>
+          <a:stretch>
+            <a:fillRect/>
+          </a:stretch>
+        </p:blipFill>
+        <p:spPr>
+          <a:xfrm>
+            <a:off x="7864520" y="2674417"/>
+            <a:ext cx="3489279" cy="3818457"/>
+          </a:xfrm>
+          <a:prstGeom prst="rect">
+            <a:avLst/>
+          </a:prstGeom>
+        </p:spPr>
+      </p:pic>
+    </p:spTree>
+    <p:extLst>
+      <p:ext uri="{BB962C8B-B14F-4D97-AF65-F5344CB8AC3E}">
+        <p14:creationId xmlns:p14="http://schemas.microsoft.com/office/powerpoint/2010/main" val="3505546107"/>
+      </p:ext>
+    </p:extLst>
+  </p:cSld>
+  <p:clrMapOvr>
+    <a:masterClrMapping/>
+  </p:clrMapOvr>
+</p:sld>
+</file>
+
+<file path=ppt/slides/slide8.xml><?xml version="1.0" encoding="utf-8"?>
+<p:sld xmlns:a="http://schemas.openxmlformats.org/drawingml/2006/main" xmlns:r="http://schemas.openxmlformats.org/officeDocument/2006/relationships" xmlns:p="http://schemas.openxmlformats.org/presentationml/2006/main">
+  <p:cSld>
+    <p:spTree>
+      <p:nvGrpSpPr>
+        <p:cNvPr id="1" name=""/>
+        <p:cNvGrpSpPr/>
+        <p:nvPr/>
+      </p:nvGrpSpPr>
+      <p:grpSpPr>
+        <a:xfrm>
+          <a:off x="0" y="0"/>
+          <a:ext cx="0" cy="0"/>
+          <a:chOff x="0" y="0"/>
+          <a:chExt cx="0" cy="0"/>
+        </a:xfrm>
+      </p:grpSpPr>
+      <p:sp>
+        <p:nvSpPr>
+          <p:cNvPr id="2" name="Title 1">
+            <a:extLst>
+              <a:ext uri="{FF2B5EF4-FFF2-40B4-BE49-F238E27FC236}">
+                <a16:creationId xmlns:a16="http://schemas.microsoft.com/office/drawing/2014/main" id="{D2CDE2EE-CE1D-478D-BC28-C0447D85D358}"/>
+              </a:ext>
+            </a:extLst>
+          </p:cNvPr>
+          <p:cNvSpPr>
+            <a:spLocks noGrp="1"/>
+          </p:cNvSpPr>
+          <p:nvPr>
+            <p:ph type="title"/>
+          </p:nvPr>
+        </p:nvSpPr>
+        <p:spPr/>
+        <p:txBody>
+          <a:bodyPr>
+            <a:normAutofit/>
+          </a:bodyPr>
+          <a:lstStyle/>
+          <a:p>
+            <a:r>
+              <a:rPr lang="en-US" sz="3600" dirty="0"/>
+              <a:t>The example of liquid level control system. Fig.1</a:t>
+            </a:r>
+          </a:p>
+        </p:txBody>
+      </p:sp>
+      <p:pic>
+        <p:nvPicPr>
+          <p:cNvPr id="7" name="Content Placeholder 6">
+            <a:extLst>
+              <a:ext uri="{FF2B5EF4-FFF2-40B4-BE49-F238E27FC236}">
+                <a16:creationId xmlns:a16="http://schemas.microsoft.com/office/drawing/2014/main" id="{B265F6F2-A8C8-4DBC-8427-C21230317117}"/>
+              </a:ext>
+            </a:extLst>
+          </p:cNvPr>
+          <p:cNvPicPr>
+            <a:picLocks noGrp="1" noChangeAspect="1"/>
+          </p:cNvPicPr>
+          <p:nvPr>
+            <p:ph idx="1"/>
+          </p:nvPr>
+        </p:nvPicPr>
+        <p:blipFill>
+          <a:blip r:embed="rId2">
+            <a:extLst>
+              <a:ext uri="{28A0092B-C50C-407E-A947-70E740481C1C}">
+                <a14:useLocalDpi xmlns:a14="http://schemas.microsoft.com/office/drawing/2010/main" val="0"/>
+              </a:ext>
+            </a:extLst>
+          </a:blip>
+          <a:stretch>
+            <a:fillRect/>
+          </a:stretch>
+        </p:blipFill>
+        <p:spPr>
+          <a:xfrm>
+            <a:off x="3340774" y="1690688"/>
+            <a:ext cx="5510451" cy="3835817"/>
+          </a:xfrm>
+        </p:spPr>
+      </p:pic>
+    </p:spTree>
+    <p:extLst>
+      <p:ext uri="{BB962C8B-B14F-4D97-AF65-F5344CB8AC3E}">
+        <p14:creationId xmlns:p14="http://schemas.microsoft.com/office/powerpoint/2010/main" val="3534412902"/>
+      </p:ext>
+    </p:extLst>
+  </p:cSld>
+  <p:clrMapOvr>
+    <a:masterClrMapping/>
+  </p:clrMapOvr>
+</p:sld>
+</file>
+
+<file path=ppt/slides/slide9.xml><?xml version="1.0" encoding="utf-8"?>
+<p:sld xmlns:a="http://schemas.openxmlformats.org/drawingml/2006/main" xmlns:r="http://schemas.openxmlformats.org/officeDocument/2006/relationships" xmlns:p="http://schemas.openxmlformats.org/presentationml/2006/main">
+  <p:cSld>
+    <p:spTree>
+      <p:nvGrpSpPr>
+        <p:cNvPr id="1" name=""/>
+        <p:cNvGrpSpPr/>
+        <p:nvPr/>
+      </p:nvGrpSpPr>
+      <p:grpSpPr>
+        <a:xfrm>
+          <a:off x="0" y="0"/>
+          <a:ext cx="0" cy="0"/>
+          <a:chOff x="0" y="0"/>
+          <a:chExt cx="0" cy="0"/>
+        </a:xfrm>
+      </p:grpSpPr>
+      <p:sp>
+        <p:nvSpPr>
+          <p:cNvPr id="2" name="Title 1">
+            <a:extLst>
+              <a:ext uri="{FF2B5EF4-FFF2-40B4-BE49-F238E27FC236}">
+                <a16:creationId xmlns:a16="http://schemas.microsoft.com/office/drawing/2014/main" id="{8975CFA5-735C-4AF0-9C47-DC3C36284CDB}"/>
+              </a:ext>
+            </a:extLst>
+          </p:cNvPr>
+          <p:cNvSpPr>
+            <a:spLocks noGrp="1"/>
+          </p:cNvSpPr>
+          <p:nvPr>
+            <p:ph type="title"/>
+          </p:nvPr>
+        </p:nvSpPr>
+        <p:spPr/>
+        <p:txBody>
+          <a:bodyPr/>
+          <a:lstStyle/>
+          <a:p>
+            <a:r>
+              <a:rPr lang="en-US" dirty="0"/>
+              <a:t>Fig.2</a:t>
+            </a:r>
+          </a:p>
+        </p:txBody>
+      </p:sp>
+      <p:sp>
+        <p:nvSpPr>
+          <p:cNvPr id="3" name="Content Placeholder 2">
+            <a:extLst>
+              <a:ext uri="{FF2B5EF4-FFF2-40B4-BE49-F238E27FC236}">
+                <a16:creationId xmlns:a16="http://schemas.microsoft.com/office/drawing/2014/main" id="{C8B1C6E5-AAE3-48A3-9A30-E2B653B7C949}"/>
+              </a:ext>
+            </a:extLst>
+          </p:cNvPr>
+          <p:cNvSpPr>
+            <a:spLocks noGrp="1"/>
+          </p:cNvSpPr>
+          <p:nvPr>
+            <p:ph idx="1"/>
+          </p:nvPr>
+        </p:nvSpPr>
+        <p:spPr/>
+        <p:txBody>
+          <a:bodyPr/>
+          <a:lstStyle/>
+          <a:p>
+            <a:endParaRPr lang="en-US"/>
+          </a:p>
+        </p:txBody>
+      </p:sp>
+      <p:pic>
+        <p:nvPicPr>
+          <p:cNvPr id="4" name="Picture 3">
+            <a:extLst>
+              <a:ext uri="{FF2B5EF4-FFF2-40B4-BE49-F238E27FC236}">
+                <a16:creationId xmlns:a16="http://schemas.microsoft.com/office/drawing/2014/main" id="{75657024-9957-461E-AF76-D83EF56046AB}"/>
+              </a:ext>
+            </a:extLst>
+          </p:cNvPr>
+          <p:cNvPicPr>
+            <a:picLocks noChangeAspect="1"/>
+          </p:cNvPicPr>
+          <p:nvPr/>
+        </p:nvPicPr>
+        <p:blipFill>
+          <a:blip r:embed="rId2">
+            <a:extLst>
+              <a:ext uri="{28A0092B-C50C-407E-A947-70E740481C1C}">
+                <a14:useLocalDpi xmlns:a14="http://schemas.microsoft.com/office/drawing/2010/main" val="0"/>
+              </a:ext>
+            </a:extLst>
+          </a:blip>
+          <a:stretch>
+            <a:fillRect/>
+          </a:stretch>
+        </p:blipFill>
+        <p:spPr>
+          <a:xfrm>
+            <a:off x="3810351" y="1690688"/>
+            <a:ext cx="4571298" cy="3881077"/>
+          </a:xfrm>
+          <a:prstGeom prst="rect">
+            <a:avLst/>
+          </a:prstGeom>
+        </p:spPr>
+      </p:pic>
+    </p:spTree>
+    <p:extLst>
+      <p:ext uri="{BB962C8B-B14F-4D97-AF65-F5344CB8AC3E}">
+        <p14:creationId xmlns:p14="http://schemas.microsoft.com/office/powerpoint/2010/main" val="1640521767"/>
       </p:ext>
     </p:extLst>
   </p:cSld>
